--- a/backend/save_ppt/ppt_template_0717.pptx
+++ b/backend/save_ppt/ppt_template_0717.pptx
@@ -6655,40 +6655,763 @@
           </a:prstGeom>
         </p:spPr>
       </p:pic>
-      <p:pic>
-        <p:nvPicPr>
-          <p:cNvPr id="50" name="图片 49"/>
-          <p:cNvPicPr>
-            <a:picLocks noChangeAspect="1"/>
-          </p:cNvPicPr>
+      <p:grpSp>
+        <p:nvGrpSpPr>
+          <p:cNvPr id="10" name="组合 9"/>
+          <p:cNvGrpSpPr/>
+          <p:nvPr userDrawn="1"/>
+        </p:nvGrpSpPr>
+        <p:grpSpPr>
+          <a:xfrm>
+            <a:off x="0" y="-742554"/>
+            <a:ext cx="12192000" cy="3720128"/>
+            <a:chOff x="0" y="-742554"/>
+            <a:chExt cx="12192000" cy="3720128"/>
+          </a:xfrm>
+        </p:grpSpPr>
+        <p:grpSp>
+          <p:nvGrpSpPr>
+            <p:cNvPr id="9" name="组合 8"/>
+            <p:cNvGrpSpPr/>
+            <p:nvPr/>
+          </p:nvGrpSpPr>
+          <p:grpSpPr>
+            <a:xfrm>
+              <a:off x="0" y="-742554"/>
+              <a:ext cx="12192000" cy="3720128"/>
+              <a:chOff x="0" y="-742554"/>
+              <a:chExt cx="12192000" cy="3720128"/>
+            </a:xfrm>
+          </p:grpSpPr>
+          <p:sp>
+            <p:nvSpPr>
+              <p:cNvPr id="15" name="任意多边形: 形状 14"/>
+              <p:cNvSpPr/>
+              <p:nvPr>
+                <p:custDataLst>
+                  <p:tags r:id="rId21"/>
+                </p:custDataLst>
+              </p:nvPr>
+            </p:nvSpPr>
+            <p:spPr>
+              <a:xfrm>
+                <a:off x="0" y="-742554"/>
+                <a:ext cx="12192000" cy="3720128"/>
+              </a:xfrm>
+              <a:custGeom>
+                <a:avLst/>
+                <a:gdLst>
+                  <a:gd name="connsiteX0" fmla="*/ 1612747 w 12192000"/>
+                  <a:gd name="connsiteY0" fmla="*/ 474 h 3720128"/>
+                  <a:gd name="connsiteX1" fmla="*/ 12024360 w 12192000"/>
+                  <a:gd name="connsiteY1" fmla="*/ 260506 h 3720128"/>
+                  <a:gd name="connsiteX2" fmla="*/ 12192000 w 12192000"/>
+                  <a:gd name="connsiteY2" fmla="*/ 269722 h 3720128"/>
+                  <a:gd name="connsiteX3" fmla="*/ 12192000 w 12192000"/>
+                  <a:gd name="connsiteY3" fmla="*/ 3275623 h 3720128"/>
+                  <a:gd name="connsiteX4" fmla="*/ 12073563 w 12192000"/>
+                  <a:gd name="connsiteY4" fmla="*/ 3339055 h 3720128"/>
+                  <a:gd name="connsiteX5" fmla="*/ 9890760 w 12192000"/>
+                  <a:gd name="connsiteY5" fmla="*/ 3719986 h 3720128"/>
+                  <a:gd name="connsiteX6" fmla="*/ 8214360 w 12192000"/>
+                  <a:gd name="connsiteY6" fmla="*/ 3064666 h 3720128"/>
+                  <a:gd name="connsiteX7" fmla="*/ 7711440 w 12192000"/>
+                  <a:gd name="connsiteY7" fmla="*/ 1662586 h 3720128"/>
+                  <a:gd name="connsiteX8" fmla="*/ 5730240 w 12192000"/>
+                  <a:gd name="connsiteY8" fmla="*/ 1190146 h 3720128"/>
+                  <a:gd name="connsiteX9" fmla="*/ 2606040 w 12192000"/>
+                  <a:gd name="connsiteY9" fmla="*/ 1296826 h 3720128"/>
+                  <a:gd name="connsiteX10" fmla="*/ 597337 w 12192000"/>
+                  <a:gd name="connsiteY10" fmla="*/ 881417 h 3720128"/>
+                  <a:gd name="connsiteX11" fmla="*/ 0 w 12192000"/>
+                  <a:gd name="connsiteY11" fmla="*/ 766767 h 3720128"/>
+                  <a:gd name="connsiteX12" fmla="*/ 0 w 12192000"/>
+                  <a:gd name="connsiteY12" fmla="*/ 43892 h 3720128"/>
+                  <a:gd name="connsiteX13" fmla="*/ 148912 w 12192000"/>
+                  <a:gd name="connsiteY13" fmla="*/ 33971 h 3720128"/>
+                  <a:gd name="connsiteX14" fmla="*/ 548640 w 12192000"/>
+                  <a:gd name="connsiteY14" fmla="*/ 16666 h 3720128"/>
+                  <a:gd name="connsiteX15" fmla="*/ 1612747 w 12192000"/>
+                  <a:gd name="connsiteY15" fmla="*/ 474 h 3720128"/>
+                </a:gdLst>
+                <a:ahLst/>
+                <a:cxnLst>
+                  <a:cxn ang="0">
+                    <a:pos x="connsiteX0" y="connsiteY0"/>
+                  </a:cxn>
+                  <a:cxn ang="0">
+                    <a:pos x="connsiteX1" y="connsiteY1"/>
+                  </a:cxn>
+                  <a:cxn ang="0">
+                    <a:pos x="connsiteX2" y="connsiteY2"/>
+                  </a:cxn>
+                  <a:cxn ang="0">
+                    <a:pos x="connsiteX3" y="connsiteY3"/>
+                  </a:cxn>
+                  <a:cxn ang="0">
+                    <a:pos x="connsiteX4" y="connsiteY4"/>
+                  </a:cxn>
+                  <a:cxn ang="0">
+                    <a:pos x="connsiteX5" y="connsiteY5"/>
+                  </a:cxn>
+                  <a:cxn ang="0">
+                    <a:pos x="connsiteX6" y="connsiteY6"/>
+                  </a:cxn>
+                  <a:cxn ang="0">
+                    <a:pos x="connsiteX7" y="connsiteY7"/>
+                  </a:cxn>
+                  <a:cxn ang="0">
+                    <a:pos x="connsiteX8" y="connsiteY8"/>
+                  </a:cxn>
+                  <a:cxn ang="0">
+                    <a:pos x="connsiteX9" y="connsiteY9"/>
+                  </a:cxn>
+                  <a:cxn ang="0">
+                    <a:pos x="connsiteX10" y="connsiteY10"/>
+                  </a:cxn>
+                  <a:cxn ang="0">
+                    <a:pos x="connsiteX11" y="connsiteY11"/>
+                  </a:cxn>
+                  <a:cxn ang="0">
+                    <a:pos x="connsiteX12" y="connsiteY12"/>
+                  </a:cxn>
+                  <a:cxn ang="0">
+                    <a:pos x="connsiteX13" y="connsiteY13"/>
+                  </a:cxn>
+                  <a:cxn ang="0">
+                    <a:pos x="connsiteX14" y="connsiteY14"/>
+                  </a:cxn>
+                  <a:cxn ang="0">
+                    <a:pos x="connsiteX15" y="connsiteY15"/>
+                  </a:cxn>
+                </a:cxnLst>
+                <a:rect l="l" t="t" r="r" b="b"/>
+                <a:pathLst>
+                  <a:path w="12192000" h="3720127">
+                    <a:moveTo>
+                      <a:pt x="1612747" y="474"/>
+                    </a:moveTo>
+                    <a:cubicBezTo>
+                      <a:pt x="4535370" y="-10083"/>
+                      <a:pt x="10219690" y="158271"/>
+                      <a:pt x="12024360" y="260506"/>
+                    </a:cubicBezTo>
+                    <a:lnTo>
+                      <a:pt x="12192000" y="269722"/>
+                    </a:lnTo>
+                    <a:lnTo>
+                      <a:pt x="12192000" y="3275623"/>
+                    </a:lnTo>
+                    <a:lnTo>
+                      <a:pt x="12073563" y="3339055"/>
+                    </a:lnTo>
+                    <a:cubicBezTo>
+                      <a:pt x="11451600" y="3639371"/>
+                      <a:pt x="10462419" y="3724114"/>
+                      <a:pt x="9890760" y="3719986"/>
+                    </a:cubicBezTo>
+                    <a:cubicBezTo>
+                      <a:pt x="9187180" y="3714906"/>
+                      <a:pt x="8577580" y="3407566"/>
+                      <a:pt x="8214360" y="3064666"/>
+                    </a:cubicBezTo>
+                    <a:cubicBezTo>
+                      <a:pt x="7851140" y="2721766"/>
+                      <a:pt x="8125460" y="1975006"/>
+                      <a:pt x="7711440" y="1662586"/>
+                    </a:cubicBezTo>
+                    <a:cubicBezTo>
+                      <a:pt x="7297421" y="1350166"/>
+                      <a:pt x="6581141" y="1251106"/>
+                      <a:pt x="5730240" y="1190146"/>
+                    </a:cubicBezTo>
+                    <a:cubicBezTo>
+                      <a:pt x="4879341" y="1129186"/>
+                      <a:pt x="3461524" y="1348281"/>
+                      <a:pt x="2606040" y="1296826"/>
+                    </a:cubicBezTo>
+                    <a:cubicBezTo>
+                      <a:pt x="1750556" y="1245371"/>
+                      <a:pt x="1359218" y="1049652"/>
+                      <a:pt x="597337" y="881417"/>
+                    </a:cubicBezTo>
+                    <a:lnTo>
+                      <a:pt x="0" y="766767"/>
+                    </a:lnTo>
+                    <a:lnTo>
+                      <a:pt x="0" y="43892"/>
+                    </a:lnTo>
+                    <a:lnTo>
+                      <a:pt x="148912" y="33971"/>
+                    </a:lnTo>
+                    <a:cubicBezTo>
+                      <a:pt x="272911" y="27223"/>
+                      <a:pt x="405924" y="21429"/>
+                      <a:pt x="548640" y="16666"/>
+                    </a:cubicBezTo>
+                    <a:cubicBezTo>
+                      <a:pt x="834073" y="7141"/>
+                      <a:pt x="1195229" y="1982"/>
+                      <a:pt x="1612747" y="474"/>
+                    </a:cubicBezTo>
+                    <a:close/>
+                  </a:path>
+                </a:pathLst>
+              </a:custGeom>
+              <a:solidFill>
+                <a:srgbClr val="F3BD18"/>
+              </a:solidFill>
+              <a:ln>
+                <a:noFill/>
+              </a:ln>
+            </p:spPr>
+            <p:style>
+              <a:lnRef idx="2">
+                <a:schemeClr val="accent1">
+                  <a:shade val="50000"/>
+                </a:schemeClr>
+              </a:lnRef>
+              <a:fillRef idx="1">
+                <a:schemeClr val="accent1"/>
+              </a:fillRef>
+              <a:effectRef idx="0">
+                <a:schemeClr val="accent1"/>
+              </a:effectRef>
+              <a:fontRef idx="minor">
+                <a:schemeClr val="lt1"/>
+              </a:fontRef>
+            </p:style>
+            <p:txBody>
+              <a:bodyPr wrap="square" rtlCol="0" anchor="ctr">
+                <a:noAutofit/>
+              </a:bodyPr>
+              <a:p>
+                <a:pPr algn="ctr"/>
+                <a:endParaRPr lang="zh-CN" altLang="en-US"/>
+              </a:p>
+            </p:txBody>
+          </p:sp>
+          <p:sp>
+            <p:nvSpPr>
+              <p:cNvPr id="18" name="任意多边形: 形状 17"/>
+              <p:cNvSpPr/>
+              <p:nvPr>
+                <p:custDataLst>
+                  <p:tags r:id="rId22"/>
+                </p:custDataLst>
+              </p:nvPr>
+            </p:nvSpPr>
+            <p:spPr>
+              <a:xfrm>
+                <a:off x="4418718" y="-687240"/>
+                <a:ext cx="7773282" cy="3406820"/>
+              </a:xfrm>
+              <a:custGeom>
+                <a:avLst/>
+                <a:gdLst>
+                  <a:gd name="connsiteX0" fmla="*/ 760861 w 7773282"/>
+                  <a:gd name="connsiteY0" fmla="*/ 0 h 3406820"/>
+                  <a:gd name="connsiteX1" fmla="*/ 1296844 w 7773282"/>
+                  <a:gd name="connsiteY1" fmla="*/ 11081 h 3406820"/>
+                  <a:gd name="connsiteX2" fmla="*/ 7605642 w 7773282"/>
+                  <a:gd name="connsiteY2" fmla="*/ 220433 h 3406820"/>
+                  <a:gd name="connsiteX3" fmla="*/ 7773281 w 7773282"/>
+                  <a:gd name="connsiteY3" fmla="*/ 229649 h 3406820"/>
+                  <a:gd name="connsiteX4" fmla="*/ 7773281 w 7773282"/>
+                  <a:gd name="connsiteY4" fmla="*/ 3171520 h 3406820"/>
+                  <a:gd name="connsiteX5" fmla="*/ 7773282 w 7773282"/>
+                  <a:gd name="connsiteY5" fmla="*/ 3171520 h 3406820"/>
+                  <a:gd name="connsiteX6" fmla="*/ 7773282 w 7773282"/>
+                  <a:gd name="connsiteY6" fmla="*/ 3220309 h 3406820"/>
+                  <a:gd name="connsiteX7" fmla="*/ 7654845 w 7773282"/>
+                  <a:gd name="connsiteY7" fmla="*/ 3283741 h 3406820"/>
+                  <a:gd name="connsiteX8" fmla="*/ 7405928 w 7773282"/>
+                  <a:gd name="connsiteY8" fmla="*/ 3386502 h 3406820"/>
+                  <a:gd name="connsiteX9" fmla="*/ 7339647 w 7773282"/>
+                  <a:gd name="connsiteY9" fmla="*/ 3406820 h 3406820"/>
+                  <a:gd name="connsiteX10" fmla="*/ 7316196 w 7773282"/>
+                  <a:gd name="connsiteY10" fmla="*/ 3315590 h 3406820"/>
+                  <a:gd name="connsiteX11" fmla="*/ 7057001 w 7773282"/>
+                  <a:gd name="connsiteY11" fmla="*/ 1840759 h 3406820"/>
+                  <a:gd name="connsiteX12" fmla="*/ 5578721 w 7773282"/>
+                  <a:gd name="connsiteY12" fmla="*/ 1200679 h 3406820"/>
+                  <a:gd name="connsiteX13" fmla="*/ 3249144 w 7773282"/>
+                  <a:gd name="connsiteY13" fmla="*/ 1547151 h 3406820"/>
+                  <a:gd name="connsiteX14" fmla="*/ 3207195 w 7773282"/>
+                  <a:gd name="connsiteY14" fmla="*/ 1552901 h 3406820"/>
+                  <a:gd name="connsiteX15" fmla="*/ 3123624 w 7773282"/>
+                  <a:gd name="connsiteY15" fmla="*/ 1499774 h 3406820"/>
+                  <a:gd name="connsiteX16" fmla="*/ 1311522 w 7773282"/>
+                  <a:gd name="connsiteY16" fmla="*/ 1134832 h 3406820"/>
+                  <a:gd name="connsiteX17" fmla="*/ 174643 w 7773282"/>
+                  <a:gd name="connsiteY17" fmla="*/ 1155364 h 3406820"/>
+                  <a:gd name="connsiteX18" fmla="*/ 0 w 7773282"/>
+                  <a:gd name="connsiteY18" fmla="*/ 1167424 h 3406820"/>
+                  <a:gd name="connsiteX19" fmla="*/ 25346 w 7773282"/>
+                  <a:gd name="connsiteY19" fmla="*/ 1060864 h 3406820"/>
+                  <a:gd name="connsiteX20" fmla="*/ 623165 w 7773282"/>
+                  <a:gd name="connsiteY20" fmla="*/ 91022 h 3406820"/>
+                </a:gdLst>
+                <a:ahLst/>
+                <a:cxnLst>
+                  <a:cxn ang="0">
+                    <a:pos x="connsiteX0" y="connsiteY0"/>
+                  </a:cxn>
+                  <a:cxn ang="0">
+                    <a:pos x="connsiteX1" y="connsiteY1"/>
+                  </a:cxn>
+                  <a:cxn ang="0">
+                    <a:pos x="connsiteX2" y="connsiteY2"/>
+                  </a:cxn>
+                  <a:cxn ang="0">
+                    <a:pos x="connsiteX3" y="connsiteY3"/>
+                  </a:cxn>
+                  <a:cxn ang="0">
+                    <a:pos x="connsiteX4" y="connsiteY4"/>
+                  </a:cxn>
+                  <a:cxn ang="0">
+                    <a:pos x="connsiteX5" y="connsiteY5"/>
+                  </a:cxn>
+                  <a:cxn ang="0">
+                    <a:pos x="connsiteX6" y="connsiteY6"/>
+                  </a:cxn>
+                  <a:cxn ang="0">
+                    <a:pos x="connsiteX7" y="connsiteY7"/>
+                  </a:cxn>
+                  <a:cxn ang="0">
+                    <a:pos x="connsiteX8" y="connsiteY8"/>
+                  </a:cxn>
+                  <a:cxn ang="0">
+                    <a:pos x="connsiteX9" y="connsiteY9"/>
+                  </a:cxn>
+                  <a:cxn ang="0">
+                    <a:pos x="connsiteX10" y="connsiteY10"/>
+                  </a:cxn>
+                  <a:cxn ang="0">
+                    <a:pos x="connsiteX11" y="connsiteY11"/>
+                  </a:cxn>
+                  <a:cxn ang="0">
+                    <a:pos x="connsiteX12" y="connsiteY12"/>
+                  </a:cxn>
+                  <a:cxn ang="0">
+                    <a:pos x="connsiteX13" y="connsiteY13"/>
+                  </a:cxn>
+                  <a:cxn ang="0">
+                    <a:pos x="connsiteX14" y="connsiteY14"/>
+                  </a:cxn>
+                  <a:cxn ang="0">
+                    <a:pos x="connsiteX15" y="connsiteY15"/>
+                  </a:cxn>
+                  <a:cxn ang="0">
+                    <a:pos x="connsiteX16" y="connsiteY16"/>
+                  </a:cxn>
+                  <a:cxn ang="0">
+                    <a:pos x="connsiteX17" y="connsiteY17"/>
+                  </a:cxn>
+                  <a:cxn ang="0">
+                    <a:pos x="connsiteX18" y="connsiteY18"/>
+                  </a:cxn>
+                  <a:cxn ang="0">
+                    <a:pos x="connsiteX19" y="connsiteY19"/>
+                  </a:cxn>
+                  <a:cxn ang="0">
+                    <a:pos x="connsiteX20" y="connsiteY20"/>
+                  </a:cxn>
+                </a:cxnLst>
+                <a:rect l="l" t="t" r="r" b="b"/>
+                <a:pathLst>
+                  <a:path w="7773282" h="3406820">
+                    <a:moveTo>
+                      <a:pt x="760861" y="0"/>
+                    </a:moveTo>
+                    <a:lnTo>
+                      <a:pt x="1296844" y="11081"/>
+                    </a:lnTo>
+                    <a:cubicBezTo>
+                      <a:pt x="3834317" y="66812"/>
+                      <a:pt x="6477723" y="156536"/>
+                      <a:pt x="7605642" y="220433"/>
+                    </a:cubicBezTo>
+                    <a:lnTo>
+                      <a:pt x="7773281" y="229649"/>
+                    </a:lnTo>
+                    <a:lnTo>
+                      <a:pt x="7773281" y="3171520"/>
+                    </a:lnTo>
+                    <a:lnTo>
+                      <a:pt x="7773282" y="3171520"/>
+                    </a:lnTo>
+                    <a:lnTo>
+                      <a:pt x="7773282" y="3220309"/>
+                    </a:lnTo>
+                    <a:lnTo>
+                      <a:pt x="7654845" y="3283741"/>
+                    </a:lnTo>
+                    <a:cubicBezTo>
+                      <a:pt x="7577100" y="3321281"/>
+                      <a:pt x="7493616" y="3355452"/>
+                      <a:pt x="7405928" y="3386502"/>
+                    </a:cubicBezTo>
+                    <a:lnTo>
+                      <a:pt x="7339647" y="3406820"/>
+                    </a:lnTo>
+                    <a:lnTo>
+                      <a:pt x="7316196" y="3315590"/>
+                    </a:lnTo>
+                    <a:cubicBezTo>
+                      <a:pt x="7230098" y="2892111"/>
+                      <a:pt x="7284013" y="2114920"/>
+                      <a:pt x="7057001" y="1840759"/>
+                    </a:cubicBezTo>
+                    <a:cubicBezTo>
+                      <a:pt x="6726801" y="1441979"/>
+                      <a:pt x="6340721" y="1236239"/>
+                      <a:pt x="5578721" y="1200679"/>
+                    </a:cubicBezTo>
+                    <a:cubicBezTo>
+                      <a:pt x="5007221" y="1174009"/>
+                      <a:pt x="4069961" y="1415944"/>
+                      <a:pt x="3249144" y="1547151"/>
+                    </a:cubicBezTo>
+                    <a:lnTo>
+                      <a:pt x="3207195" y="1552901"/>
+                    </a:lnTo>
+                    <a:lnTo>
+                      <a:pt x="3123624" y="1499774"/>
+                    </a:lnTo>
+                    <a:cubicBezTo>
+                      <a:pt x="2697530" y="1270682"/>
+                      <a:pt x="2056061" y="1188172"/>
+                      <a:pt x="1311522" y="1134832"/>
+                    </a:cubicBezTo>
+                    <a:cubicBezTo>
+                      <a:pt x="992435" y="1111972"/>
+                      <a:pt x="593625" y="1128495"/>
+                      <a:pt x="174643" y="1155364"/>
+                    </a:cubicBezTo>
+                    <a:lnTo>
+                      <a:pt x="0" y="1167424"/>
+                    </a:lnTo>
+                    <a:lnTo>
+                      <a:pt x="25346" y="1060864"/>
+                    </a:lnTo>
+                    <a:cubicBezTo>
+                      <a:pt x="113578" y="746045"/>
+                      <a:pt x="312048" y="321903"/>
+                      <a:pt x="623165" y="91022"/>
+                    </a:cubicBezTo>
+                    <a:close/>
+                  </a:path>
+                </a:pathLst>
+              </a:custGeom>
+              <a:solidFill>
+                <a:srgbClr val="404041"/>
+              </a:solidFill>
+              <a:ln>
+                <a:noFill/>
+              </a:ln>
+            </p:spPr>
+            <p:style>
+              <a:lnRef idx="2">
+                <a:schemeClr val="accent1">
+                  <a:shade val="50000"/>
+                </a:schemeClr>
+              </a:lnRef>
+              <a:fillRef idx="1">
+                <a:schemeClr val="accent1"/>
+              </a:fillRef>
+              <a:effectRef idx="0">
+                <a:schemeClr val="accent1"/>
+              </a:effectRef>
+              <a:fontRef idx="minor">
+                <a:schemeClr val="lt1"/>
+              </a:fontRef>
+            </p:style>
+            <p:txBody>
+              <a:bodyPr wrap="square" rtlCol="0" anchor="ctr">
+                <a:noAutofit/>
+              </a:bodyPr>
+              <a:p>
+                <a:pPr algn="ctr"/>
+                <a:endParaRPr lang="zh-CN" altLang="en-US"/>
+              </a:p>
+            </p:txBody>
+          </p:sp>
+        </p:grpSp>
+        <p:sp>
+          <p:nvSpPr>
+            <p:cNvPr id="3" name="矩形 2"/>
+            <p:cNvSpPr/>
+            <p:nvPr>
+              <p:custDataLst>
+                <p:tags r:id="rId23"/>
+              </p:custDataLst>
+            </p:nvPr>
+          </p:nvSpPr>
+          <p:spPr>
+            <a:xfrm>
+              <a:off x="8305359" y="1329520"/>
+              <a:ext cx="3754554" cy="769441"/>
+            </a:xfrm>
+            <a:prstGeom prst="rect">
+              <a:avLst/>
+            </a:prstGeom>
+          </p:spPr>
+          <p:txBody>
+            <a:bodyPr wrap="none">
+              <a:spAutoFit/>
+            </a:bodyPr>
+            <a:p>
+              <a:pPr marL="0" marR="0" lvl="0" indent="0" defTabSz="914400" eaLnBrk="1" fontAlgn="auto" latinLnBrk="0" hangingPunct="1">
+                <a:lnSpc>
+                  <a:spcPct val="100000"/>
+                </a:lnSpc>
+                <a:spcBef>
+                  <a:spcPct val="0"/>
+                </a:spcBef>
+                <a:spcAft>
+                  <a:spcPct val="0"/>
+                </a:spcAft>
+                <a:buClrTx/>
+                <a:buSzTx/>
+                <a:buFontTx/>
+                <a:buNone/>
+                <a:defRPr/>
+              </a:pPr>
+              <a:r>
+                <a:rPr kumimoji="0" lang="en-US" altLang="zh-CN" sz="4400" b="1" i="0" u="none" strike="noStrike" kern="0" cap="all" spc="0" normalizeH="0" baseline="0" noProof="0" dirty="0">
+                  <a:ln>
+                    <a:noFill/>
+                  </a:ln>
+                  <a:solidFill>
+                    <a:prstClr val="white"/>
+                  </a:solidFill>
+                  <a:effectLst/>
+                  <a:uLnTx/>
+                  <a:uFillTx/>
+                  <a:latin typeface="微软雅黑" panose="020B0503020204020204" charset="-122"/>
+                  <a:ea typeface="微软雅黑" panose="020B0503020204020204" charset="-122"/>
+                  <a:cs typeface="+mn-ea"/>
+                  <a:sym typeface="+mn-lt"/>
+                </a:rPr>
+                <a:t>TRANSPORT</a:t>
+              </a:r>
+              <a:endParaRPr kumimoji="0" lang="zh-CN" altLang="en-US" sz="1200" b="0" i="0" u="none" strike="noStrike" kern="0" cap="none" spc="0" normalizeH="0" baseline="0" noProof="0" dirty="0">
+                <a:ln>
+                  <a:noFill/>
+                </a:ln>
+                <a:solidFill>
+                  <a:sysClr val="windowText" lastClr="000000"/>
+                </a:solidFill>
+                <a:effectLst/>
+                <a:uLnTx/>
+                <a:uFillTx/>
+              </a:endParaRPr>
+            </a:p>
+          </p:txBody>
+        </p:sp>
+        <p:cxnSp>
+          <p:nvCxnSpPr>
+            <p:cNvPr id="8" name="直接连接符 7"/>
+            <p:cNvCxnSpPr/>
+            <p:nvPr>
+              <p:custDataLst>
+                <p:tags r:id="rId24"/>
+              </p:custDataLst>
+            </p:nvPr>
+          </p:nvCxnSpPr>
+          <p:spPr>
+            <a:xfrm>
+              <a:off x="8453887" y="2095814"/>
+              <a:ext cx="1595887" cy="0"/>
+            </a:xfrm>
+            <a:prstGeom prst="line">
+              <a:avLst/>
+            </a:prstGeom>
+            <a:ln>
+              <a:solidFill>
+                <a:schemeClr val="bg1"/>
+              </a:solidFill>
+            </a:ln>
+          </p:spPr>
+          <p:style>
+            <a:lnRef idx="1">
+              <a:schemeClr val="accent1"/>
+            </a:lnRef>
+            <a:fillRef idx="0">
+              <a:schemeClr val="accent1"/>
+            </a:fillRef>
+            <a:effectRef idx="0">
+              <a:schemeClr val="accent1"/>
+            </a:effectRef>
+            <a:fontRef idx="minor">
+              <a:schemeClr val="tx1"/>
+            </a:fontRef>
+          </p:style>
+        </p:cxnSp>
+      </p:grpSp>
+      <p:sp>
+        <p:nvSpPr>
+          <p:cNvPr id="28" name="任意多边形: 形状 27"/>
+          <p:cNvSpPr/>
           <p:nvPr userDrawn="1">
             <p:custDataLst>
-              <p:tags r:id="rId21"/>
+              <p:tags r:id="rId25"/>
             </p:custDataLst>
           </p:nvPr>
-        </p:nvPicPr>
-        <p:blipFill>
-          <a:blip r:embed="rId20">
-            <a:extLst>
-              <a:ext uri="{28A0092B-C50C-407E-A947-70E740481C1C}">
-                <a14:useLocalDpi xmlns:a14="http://schemas.microsoft.com/office/drawing/2010/main" val="0"/>
-              </a:ext>
-            </a:extLst>
-          </a:blip>
-          <a:stretch>
-            <a:fillRect/>
-          </a:stretch>
-        </p:blipFill>
-        <p:spPr>
-          <a:xfrm flipV="1">
-            <a:off x="0" y="4829175"/>
-            <a:ext cx="6943725" cy="2028825"/>
-          </a:xfrm>
-          <a:prstGeom prst="rect">
-            <a:avLst/>
-          </a:prstGeom>
-        </p:spPr>
-      </p:pic>
+        </p:nvSpPr>
+        <p:spPr>
+          <a:xfrm>
+            <a:off x="0" y="4828398"/>
+            <a:ext cx="2258682" cy="2051924"/>
+          </a:xfrm>
+          <a:custGeom>
+            <a:avLst/>
+            <a:gdLst>
+              <a:gd name="connsiteX0" fmla="*/ 235925 w 2258682"/>
+              <a:gd name="connsiteY0" fmla="*/ 16 h 2051924"/>
+              <a:gd name="connsiteX1" fmla="*/ 283029 w 2258682"/>
+              <a:gd name="connsiteY1" fmla="*/ 4860 h 2051924"/>
+              <a:gd name="connsiteX2" fmla="*/ 707571 w 2258682"/>
+              <a:gd name="connsiteY2" fmla="*/ 810403 h 2051924"/>
+              <a:gd name="connsiteX3" fmla="*/ 1338943 w 2258682"/>
+              <a:gd name="connsiteY3" fmla="*/ 1136974 h 2051924"/>
+              <a:gd name="connsiteX4" fmla="*/ 2144486 w 2258682"/>
+              <a:gd name="connsiteY4" fmla="*/ 1572403 h 2051924"/>
+              <a:gd name="connsiteX5" fmla="*/ 2258392 w 2258682"/>
+              <a:gd name="connsiteY5" fmla="*/ 2005387 h 2051924"/>
+              <a:gd name="connsiteX6" fmla="*/ 2255605 w 2258682"/>
+              <a:gd name="connsiteY6" fmla="*/ 2051924 h 2051924"/>
+              <a:gd name="connsiteX7" fmla="*/ 0 w 2258682"/>
+              <a:gd name="connsiteY7" fmla="*/ 2051924 h 2051924"/>
+              <a:gd name="connsiteX8" fmla="*/ 0 w 2258682"/>
+              <a:gd name="connsiteY8" fmla="*/ 70157 h 2051924"/>
+              <a:gd name="connsiteX9" fmla="*/ 58370 w 2258682"/>
+              <a:gd name="connsiteY9" fmla="*/ 43028 h 2051924"/>
+              <a:gd name="connsiteX10" fmla="*/ 235925 w 2258682"/>
+              <a:gd name="connsiteY10" fmla="*/ 16 h 2051924"/>
+            </a:gdLst>
+            <a:ahLst/>
+            <a:cxnLst>
+              <a:cxn ang="0">
+                <a:pos x="connsiteX0" y="connsiteY0"/>
+              </a:cxn>
+              <a:cxn ang="0">
+                <a:pos x="connsiteX1" y="connsiteY1"/>
+              </a:cxn>
+              <a:cxn ang="0">
+                <a:pos x="connsiteX2" y="connsiteY2"/>
+              </a:cxn>
+              <a:cxn ang="0">
+                <a:pos x="connsiteX3" y="connsiteY3"/>
+              </a:cxn>
+              <a:cxn ang="0">
+                <a:pos x="connsiteX4" y="connsiteY4"/>
+              </a:cxn>
+              <a:cxn ang="0">
+                <a:pos x="connsiteX5" y="connsiteY5"/>
+              </a:cxn>
+              <a:cxn ang="0">
+                <a:pos x="connsiteX6" y="connsiteY6"/>
+              </a:cxn>
+              <a:cxn ang="0">
+                <a:pos x="connsiteX7" y="connsiteY7"/>
+              </a:cxn>
+              <a:cxn ang="0">
+                <a:pos x="connsiteX8" y="connsiteY8"/>
+              </a:cxn>
+              <a:cxn ang="0">
+                <a:pos x="connsiteX9" y="connsiteY9"/>
+              </a:cxn>
+              <a:cxn ang="0">
+                <a:pos x="connsiteX10" y="connsiteY10"/>
+              </a:cxn>
+            </a:cxnLst>
+            <a:rect l="l" t="t" r="r" b="b"/>
+            <a:pathLst>
+              <a:path w="2258682" h="2051923">
+                <a:moveTo>
+                  <a:pt x="235925" y="16"/>
+                </a:moveTo>
+                <a:cubicBezTo>
+                  <a:pt x="252812" y="-178"/>
+                  <a:pt x="268573" y="1368"/>
+                  <a:pt x="283029" y="4860"/>
+                </a:cubicBezTo>
+                <a:cubicBezTo>
+                  <a:pt x="514323" y="60740"/>
+                  <a:pt x="531585" y="621717"/>
+                  <a:pt x="707571" y="810403"/>
+                </a:cubicBezTo>
+                <a:cubicBezTo>
+                  <a:pt x="883557" y="999089"/>
+                  <a:pt x="1099457" y="1009974"/>
+                  <a:pt x="1338943" y="1136974"/>
+                </a:cubicBezTo>
+                <a:cubicBezTo>
+                  <a:pt x="1578429" y="1263974"/>
+                  <a:pt x="1995715" y="1392789"/>
+                  <a:pt x="2144486" y="1572403"/>
+                </a:cubicBezTo>
+                <a:cubicBezTo>
+                  <a:pt x="2237468" y="1684662"/>
+                  <a:pt x="2261706" y="1859996"/>
+                  <a:pt x="2258392" y="2005387"/>
+                </a:cubicBezTo>
+                <a:lnTo>
+                  <a:pt x="2255605" y="2051924"/>
+                </a:lnTo>
+                <a:lnTo>
+                  <a:pt x="0" y="2051924"/>
+                </a:lnTo>
+                <a:lnTo>
+                  <a:pt x="0" y="70157"/>
+                </a:lnTo>
+                <a:lnTo>
+                  <a:pt x="58370" y="43028"/>
+                </a:lnTo>
+                <a:cubicBezTo>
+                  <a:pt x="124469" y="16818"/>
+                  <a:pt x="185265" y="595"/>
+                  <a:pt x="235925" y="16"/>
+                </a:cubicBezTo>
+                <a:close/>
+              </a:path>
+            </a:pathLst>
+          </a:custGeom>
+          <a:solidFill>
+            <a:srgbClr val="F3BD18"/>
+          </a:solidFill>
+          <a:ln>
+            <a:noFill/>
+          </a:ln>
+        </p:spPr>
+        <p:style>
+          <a:lnRef idx="2">
+            <a:schemeClr val="accent1">
+              <a:shade val="50000"/>
+            </a:schemeClr>
+          </a:lnRef>
+          <a:fillRef idx="1">
+            <a:schemeClr val="accent1"/>
+          </a:fillRef>
+          <a:effectRef idx="0">
+            <a:schemeClr val="accent1"/>
+          </a:effectRef>
+          <a:fontRef idx="minor">
+            <a:schemeClr val="lt1"/>
+          </a:fontRef>
+        </p:style>
+        <p:txBody>
+          <a:bodyPr wrap="square" rtlCol="0" anchor="ctr">
+            <a:noAutofit/>
+          </a:bodyPr>
+          <a:p>
+            <a:pPr algn="ctr"/>
+            <a:endParaRPr lang="zh-CN" altLang="en-US"/>
+          </a:p>
+        </p:txBody>
+      </p:sp>
     </p:spTree>
   </p:cSld>
   <p:clrMap bg1="lt1" tx1="dk1" bg2="lt2" tx2="dk2" accent1="accent1" accent2="accent2" accent3="accent3" accent4="accent4" accent5="accent5" accent6="accent6" hlink="hlink" folHlink="folHlink"/>
@@ -6712,6 +7435,130 @@
     <p:sldLayoutId id="2147483665" r:id="rId17"/>
     <p:sldLayoutId id="2147483666" r:id="rId18"/>
   </p:sldLayoutIdLst>
+  <p:timing>
+    <p:tnLst>
+      <p:par>
+        <p:cTn id="1" dur="indefinite" restart="never" nodeType="tmRoot">
+          <p:childTnLst>
+            <p:seq concurrent="1" nextAc="seek">
+              <p:cTn id="2" dur="indefinite" nodeType="mainSeq">
+                <p:childTnLst>
+                  <p:par>
+                    <p:cTn id="3" fill="hold">
+                      <p:stCondLst>
+                        <p:cond delay="indefinite"/>
+                        <p:cond evt="onBegin" delay="0">
+                          <p:tn val="2"/>
+                        </p:cond>
+                      </p:stCondLst>
+                      <p:childTnLst>
+                        <p:par>
+                          <p:cTn id="4" fill="hold">
+                            <p:stCondLst>
+                              <p:cond delay="0"/>
+                            </p:stCondLst>
+                            <p:childTnLst>
+                              <p:par>
+                                <p:cTn id="5" presetID="22" presetClass="entr" presetSubtype="1" fill="hold" nodeType="withEffect">
+                                  <p:stCondLst>
+                                    <p:cond delay="0"/>
+                                  </p:stCondLst>
+                                  <p:childTnLst>
+                                    <p:set>
+                                      <p:cBhvr>
+                                        <p:cTn id="6" dur="1" fill="hold">
+                                          <p:stCondLst>
+                                            <p:cond delay="0"/>
+                                          </p:stCondLst>
+                                        </p:cTn>
+                                        <p:tgtEl>
+                                          <p:spTgt spid="10"/>
+                                        </p:tgtEl>
+                                        <p:attrNameLst>
+                                          <p:attrName>style.visibility</p:attrName>
+                                        </p:attrNameLst>
+                                      </p:cBhvr>
+                                      <p:to>
+                                        <p:strVal val="visible"/>
+                                      </p:to>
+                                    </p:set>
+                                    <p:animEffect transition="in" filter="wipe(up)">
+                                      <p:cBhvr>
+                                        <p:cTn id="7" dur="500"/>
+                                        <p:tgtEl>
+                                          <p:spTgt spid="10"/>
+                                        </p:tgtEl>
+                                      </p:cBhvr>
+                                    </p:animEffect>
+                                  </p:childTnLst>
+                                </p:cTn>
+                              </p:par>
+                              <p:par>
+                                <p:cTn id="8" presetID="22" presetClass="entr" presetSubtype="4" fill="hold" grpId="0" nodeType="withEffect">
+                                  <p:stCondLst>
+                                    <p:cond delay="0"/>
+                                  </p:stCondLst>
+                                  <p:childTnLst>
+                                    <p:set>
+                                      <p:cBhvr>
+                                        <p:cTn id="9" dur="1" fill="hold">
+                                          <p:stCondLst>
+                                            <p:cond delay="0"/>
+                                          </p:stCondLst>
+                                        </p:cTn>
+                                        <p:tgtEl>
+                                          <p:spTgt spid="28"/>
+                                        </p:tgtEl>
+                                        <p:attrNameLst>
+                                          <p:attrName>style.visibility</p:attrName>
+                                        </p:attrNameLst>
+                                      </p:cBhvr>
+                                      <p:to>
+                                        <p:strVal val="visible"/>
+                                      </p:to>
+                                    </p:set>
+                                    <p:animEffect transition="in" filter="wipe(down)">
+                                      <p:cBhvr>
+                                        <p:cTn id="10" dur="500"/>
+                                        <p:tgtEl>
+                                          <p:spTgt spid="28"/>
+                                        </p:tgtEl>
+                                      </p:cBhvr>
+                                    </p:animEffect>
+                                  </p:childTnLst>
+                                </p:cTn>
+                              </p:par>
+                            </p:childTnLst>
+                          </p:cTn>
+                        </p:par>
+                      </p:childTnLst>
+                    </p:cTn>
+                  </p:par>
+                </p:childTnLst>
+              </p:cTn>
+              <p:prevCondLst>
+                <p:cond evt="onPrev" delay="0">
+                  <p:tgtEl>
+                    <p:sldTgt/>
+                  </p:tgtEl>
+                </p:cond>
+              </p:prevCondLst>
+              <p:nextCondLst>
+                <p:cond evt="onNext" delay="0">
+                  <p:tgtEl>
+                    <p:sldTgt/>
+                  </p:tgtEl>
+                </p:cond>
+              </p:nextCondLst>
+            </p:seq>
+          </p:childTnLst>
+        </p:cTn>
+      </p:par>
+    </p:tnLst>
+    <p:bldLst>
+      <p:bldP spid="28" grpId="0" bldLvl="0" animBg="1"/>
+    </p:bldLst>
+  </p:timing>
   <p:txStyles>
     <p:titleStyle>
       <a:lvl1pPr algn="l" defTabSz="914400" rtl="0" eaLnBrk="1" latinLnBrk="0" hangingPunct="1">
@@ -7012,16 +7859,31 @@
 
 <file path=ppt/tags/tag2.xml><?xml version="1.0" encoding="utf-8"?>
 <p:tagLst xmlns:p="http://schemas.openxmlformats.org/presentationml/2006/main">
-  <p:tag name="KSO_WM_SLIDE_BACKGROUND_TYPE" val="general"/>
-  <p:tag name="KSO_WM_UNIT_HIGHLIGHT" val="0"/>
-  <p:tag name="KSO_WM_UNIT_COMPATIBLE" val="0"/>
-  <p:tag name="KSO_WM_UNIT_DIAGRAM_ISNUMVISUAL" val="0"/>
-  <p:tag name="KSO_WM_UNIT_DIAGRAM_ISREFERUNIT" val="0"/>
-  <p:tag name="KSO_WM_UNIT_ID" val="_12**"/>
-  <p:tag name="KSO_WM_UNIT_LAYERLEVEL" val="1"/>
-  <p:tag name="KSO_WM_TAG_VERSION" val="1.0"/>
   <p:tag name="KSO_WM_BEAUTIFY_FLAG" val=""/>
-  <p:tag name="KSO_WM_UNIT_TYPE" val="i"/>
+</p:tagLst>
+</file>
+
+<file path=ppt/tags/tag3.xml><?xml version="1.0" encoding="utf-8"?>
+<p:tagLst xmlns:p="http://schemas.openxmlformats.org/presentationml/2006/main">
+  <p:tag name="KSO_WM_BEAUTIFY_FLAG" val=""/>
+</p:tagLst>
+</file>
+
+<file path=ppt/tags/tag4.xml><?xml version="1.0" encoding="utf-8"?>
+<p:tagLst xmlns:p="http://schemas.openxmlformats.org/presentationml/2006/main">
+  <p:tag name="KSO_WM_BEAUTIFY_FLAG" val=""/>
+</p:tagLst>
+</file>
+
+<file path=ppt/tags/tag5.xml><?xml version="1.0" encoding="utf-8"?>
+<p:tagLst xmlns:p="http://schemas.openxmlformats.org/presentationml/2006/main">
+  <p:tag name="KSO_WM_BEAUTIFY_FLAG" val=""/>
+</p:tagLst>
+</file>
+
+<file path=ppt/tags/tag6.xml><?xml version="1.0" encoding="utf-8"?>
+<p:tagLst xmlns:p="http://schemas.openxmlformats.org/presentationml/2006/main">
+  <p:tag name="KSO_WM_BEAUTIFY_FLAG" val=""/>
 </p:tagLst>
 </file>
 
